--- a/RNAseq_workflow.pptx
+++ b/RNAseq_workflow.pptx
@@ -3103,7 +3103,7 @@
         </p:nvSpPr>
         <p:spPr>
           <a:xfrm>
-            <a:off x="10858169" y="6167678"/>
+            <a:off x="10896651" y="6167678"/>
             <a:ext cx="4251293" cy="612000"/>
           </a:xfrm>
           <a:prstGeom prst="rect">
@@ -3175,7 +3175,7 @@
         </p:nvSpPr>
         <p:spPr>
           <a:xfrm>
-            <a:off x="11498287" y="7616111"/>
+            <a:off x="11536769" y="7616111"/>
             <a:ext cx="2951994" cy="755999"/>
           </a:xfrm>
           <a:prstGeom prst="rect">
@@ -3235,14 +3235,14 @@
         </p:nvSpPr>
         <p:spPr>
           <a:xfrm>
-            <a:off x="9512548" y="13163523"/>
+            <a:off x="10012814" y="13163523"/>
             <a:ext cx="5987410" cy="1473365"/>
           </a:xfrm>
           <a:prstGeom prst="rect">
             <a:avLst/>
           </a:prstGeom>
           <a:solidFill>
-            <a:srgbClr val="24A4AC"/>
+            <a:srgbClr val="88217F"/>
           </a:solidFill>
           <a:ln>
             <a:noFill/>
@@ -3368,14 +3368,14 @@
         </p:nvSpPr>
         <p:spPr>
           <a:xfrm>
-            <a:off x="11763684" y="15484131"/>
+            <a:off x="9801102" y="15484131"/>
             <a:ext cx="6428940" cy="1187997"/>
           </a:xfrm>
           <a:prstGeom prst="rect">
             <a:avLst/>
           </a:prstGeom>
           <a:solidFill>
-            <a:srgbClr val="C258AE"/>
+            <a:srgbClr val="3A0CC2"/>
           </a:solidFill>
           <a:ln>
             <a:noFill/>
@@ -3531,14 +3531,14 @@
         </p:nvSpPr>
         <p:spPr>
           <a:xfrm>
-            <a:off x="12012442" y="17500762"/>
+            <a:off x="10203788" y="17539244"/>
             <a:ext cx="5443102" cy="1151999"/>
           </a:xfrm>
           <a:prstGeom prst="rect">
             <a:avLst/>
           </a:prstGeom>
           <a:solidFill>
-            <a:srgbClr val="579C07"/>
+            <a:srgbClr val="307609"/>
           </a:solidFill>
           <a:ln>
             <a:noFill/>
@@ -3644,7 +3644,7 @@
         </p:nvSpPr>
         <p:spPr>
           <a:xfrm>
-            <a:off x="14570328" y="16754129"/>
+            <a:off x="12800156" y="16792611"/>
             <a:ext cx="251998" cy="647999"/>
           </a:xfrm>
           <a:prstGeom prst="downArrow">
@@ -3694,14 +3694,17 @@
         </p:nvSpPr>
         <p:spPr>
           <a:xfrm>
-            <a:off x="10710068" y="494734"/>
+            <a:off x="10748550" y="494734"/>
             <a:ext cx="4539293" cy="934368"/>
           </a:xfrm>
           <a:prstGeom prst="rect">
             <a:avLst/>
           </a:prstGeom>
           <a:solidFill>
-            <a:srgbClr val="0000FF"/>
+            <a:schemeClr val="tx1">
+              <a:lumMod val="75000"/>
+              <a:lumOff val="25000"/>
+            </a:schemeClr>
           </a:solidFill>
           <a:ln>
             <a:noFill/>
@@ -3757,7 +3760,7 @@
         </p:nvSpPr>
         <p:spPr>
           <a:xfrm>
-            <a:off x="5739109" y="7578399"/>
+            <a:off x="5623663" y="7578399"/>
             <a:ext cx="4169131" cy="1007175"/>
           </a:xfrm>
           <a:prstGeom prst="rect">
@@ -3915,8 +3918,8 @@
         </p:nvCxnSpPr>
         <p:spPr>
           <a:xfrm>
-            <a:off x="8428147" y="13875283"/>
-            <a:ext cx="1007998" cy="0"/>
+            <a:off x="8620557" y="13875283"/>
+            <a:ext cx="1151998" cy="0"/>
           </a:xfrm>
           <a:prstGeom prst="straightConnector1">
             <a:avLst/>
@@ -3952,7 +3955,7 @@
         </p:nvSpPr>
         <p:spPr>
           <a:xfrm>
-            <a:off x="6287556" y="15377280"/>
+            <a:off x="4209528" y="15377280"/>
             <a:ext cx="4169131" cy="1438062"/>
           </a:xfrm>
           <a:prstGeom prst="rect">
@@ -4002,7 +4005,7 @@
         </p:nvCxnSpPr>
         <p:spPr>
           <a:xfrm>
-            <a:off x="10569270" y="16049920"/>
+            <a:off x="8568206" y="16049920"/>
             <a:ext cx="1152000" cy="0"/>
           </a:xfrm>
           <a:prstGeom prst="straightConnector1">
@@ -4039,7 +4042,7 @@
         </p:nvSpPr>
         <p:spPr>
           <a:xfrm>
-            <a:off x="6615830" y="17500763"/>
+            <a:off x="4576284" y="17500763"/>
             <a:ext cx="3799887" cy="1007175"/>
           </a:xfrm>
           <a:prstGeom prst="rect">
@@ -4094,7 +4097,7 @@
         </p:nvCxnSpPr>
         <p:spPr>
           <a:xfrm>
-            <a:off x="10538918" y="17998761"/>
+            <a:off x="8576336" y="17998761"/>
             <a:ext cx="1404000" cy="0"/>
           </a:xfrm>
           <a:prstGeom prst="straightConnector1">
@@ -4243,7 +4246,7 @@
             <a:avLst/>
           </a:prstGeom>
           <a:solidFill>
-            <a:srgbClr val="FF0000"/>
+            <a:srgbClr val="9A0246"/>
           </a:solidFill>
           <a:ln>
             <a:noFill/>
@@ -4406,7 +4409,7 @@
         </p:nvSpPr>
         <p:spPr>
           <a:xfrm>
-            <a:off x="12840324" y="1621446"/>
+            <a:off x="12917288" y="1621446"/>
             <a:ext cx="251998" cy="647999"/>
           </a:xfrm>
           <a:prstGeom prst="downArrow">
@@ -4693,14 +4696,14 @@
       </p:sp>
       <p:sp>
         <p:nvSpPr>
-          <p:cNvPr id="86" name="Down Arrow 85"/>
+          <p:cNvPr id="91" name="Down Arrow 90"/>
           <p:cNvSpPr/>
           <p:nvPr/>
         </p:nvSpPr>
         <p:spPr>
-          <a:xfrm rot="18787308" flipH="1">
-            <a:off x="13221121" y="14712405"/>
-            <a:ext cx="251998" cy="755995"/>
+          <a:xfrm rot="18799921">
+            <a:off x="11841093" y="12130962"/>
+            <a:ext cx="251998" cy="1007995"/>
           </a:xfrm>
           <a:prstGeom prst="downArrow">
             <a:avLst/>
@@ -4731,17 +4734,7 @@
           <a:lstStyle/>
           <a:p>
             <a:pPr algn="ctr"/>
-            <a:r>
-              <a:rPr lang="en-US" sz="2400" dirty="0" smtClean="0">
-                <a:solidFill>
-                  <a:srgbClr val="000000"/>
-                </a:solidFill>
-                <a:latin typeface="Arial"/>
-                <a:cs typeface="Arial"/>
-              </a:rPr>
-              <a:t> </a:t>
-            </a:r>
-            <a:endParaRPr lang="en-US" sz="2400" dirty="0">
+            <a:endParaRPr lang="en-US" sz="2400">
               <a:solidFill>
                 <a:srgbClr val="000000"/>
               </a:solidFill>
@@ -4753,13 +4746,13 @@
       </p:sp>
       <p:sp>
         <p:nvSpPr>
-          <p:cNvPr id="91" name="Down Arrow 90"/>
+          <p:cNvPr id="92" name="Down Arrow 91"/>
           <p:cNvSpPr/>
           <p:nvPr/>
         </p:nvSpPr>
         <p:spPr>
-          <a:xfrm rot="18799921">
-            <a:off x="10686633" y="12130962"/>
+          <a:xfrm rot="2599921">
+            <a:off x="13968108" y="12083096"/>
             <a:ext cx="251998" cy="1007995"/>
           </a:xfrm>
           <a:prstGeom prst="downArrow">
@@ -4803,14 +4796,14 @@
       </p:sp>
       <p:sp>
         <p:nvSpPr>
-          <p:cNvPr id="92" name="Down Arrow 91"/>
+          <p:cNvPr id="94" name="Down Arrow 93"/>
           <p:cNvSpPr/>
           <p:nvPr/>
         </p:nvSpPr>
         <p:spPr>
-          <a:xfrm rot="2599921">
-            <a:off x="13660252" y="12083096"/>
-            <a:ext cx="251998" cy="1007995"/>
+          <a:xfrm rot="1973630">
+            <a:off x="17063100" y="11909837"/>
+            <a:ext cx="252000" cy="3599998"/>
           </a:xfrm>
           <a:prstGeom prst="downArrow">
             <a:avLst/>
@@ -4853,14 +4846,59 @@
       </p:sp>
       <p:sp>
         <p:nvSpPr>
-          <p:cNvPr id="94" name="Down Arrow 93"/>
+          <p:cNvPr id="101" name="TextBox 100"/>
+          <p:cNvSpPr txBox="1"/>
+          <p:nvPr/>
+        </p:nvSpPr>
+        <p:spPr>
+          <a:xfrm rot="18140672">
+            <a:off x="16945050" y="13503603"/>
+            <a:ext cx="1532147" cy="576287"/>
+          </a:xfrm>
+          <a:prstGeom prst="rect">
+            <a:avLst/>
+          </a:prstGeom>
+          <a:solidFill>
+            <a:srgbClr val="FFFFFF"/>
+          </a:solidFill>
+        </p:spPr>
+        <p:txBody>
+          <a:bodyPr wrap="square" lIns="143993" tIns="71997" rIns="143993" bIns="71997" rtlCol="0">
+            <a:spAutoFit/>
+          </a:bodyPr>
+          <a:lstStyle/>
+          <a:p>
+            <a:pPr algn="ctr"/>
+            <a:r>
+              <a:rPr lang="en-US" sz="2800" b="1" dirty="0" smtClean="0">
+                <a:solidFill>
+                  <a:srgbClr val="FF0000"/>
+                </a:solidFill>
+                <a:latin typeface="Arial"/>
+                <a:cs typeface="Arial"/>
+              </a:rPr>
+              <a:t>Counts</a:t>
+            </a:r>
+            <a:endParaRPr lang="en-US" sz="2800" b="1" dirty="0">
+              <a:solidFill>
+                <a:srgbClr val="FF0000"/>
+              </a:solidFill>
+              <a:latin typeface="Arial"/>
+              <a:cs typeface="Arial"/>
+            </a:endParaRPr>
+          </a:p>
+        </p:txBody>
+      </p:sp>
+      <p:sp>
+        <p:nvSpPr>
+          <p:cNvPr id="102" name="Down Arrow 101"/>
           <p:cNvSpPr/>
           <p:nvPr/>
         </p:nvSpPr>
         <p:spPr>
-          <a:xfrm rot="1687297">
-            <a:off x="17166469" y="11980688"/>
-            <a:ext cx="251998" cy="3348000"/>
+          <a:xfrm rot="5400000">
+            <a:off x="6161051" y="10940985"/>
+            <a:ext cx="251998" cy="1152000"/>
           </a:xfrm>
           <a:prstGeom prst="downArrow">
             <a:avLst/>
@@ -4893,101 +4931,6 @@
             <a:pPr algn="ctr"/>
             <a:endParaRPr lang="en-US" sz="2400">
               <a:solidFill>
-                <a:srgbClr val="000000"/>
-              </a:solidFill>
-              <a:latin typeface="Arial"/>
-              <a:cs typeface="Arial"/>
-            </a:endParaRPr>
-          </a:p>
-        </p:txBody>
-      </p:sp>
-      <p:sp>
-        <p:nvSpPr>
-          <p:cNvPr id="101" name="TextBox 100"/>
-          <p:cNvSpPr txBox="1"/>
-          <p:nvPr/>
-        </p:nvSpPr>
-        <p:spPr>
-          <a:xfrm rot="18027158">
-            <a:off x="16264483" y="13083658"/>
-            <a:ext cx="1532147" cy="576287"/>
-          </a:xfrm>
-          <a:prstGeom prst="rect">
-            <a:avLst/>
-          </a:prstGeom>
-          <a:solidFill>
-            <a:srgbClr val="FFFFFF"/>
-          </a:solidFill>
-        </p:spPr>
-        <p:txBody>
-          <a:bodyPr wrap="square" lIns="143993" tIns="71997" rIns="143993" bIns="71997" rtlCol="0">
-            <a:spAutoFit/>
-          </a:bodyPr>
-          <a:lstStyle/>
-          <a:p>
-            <a:pPr algn="ctr"/>
-            <a:r>
-              <a:rPr lang="en-US" sz="2800" b="1" dirty="0" smtClean="0">
-                <a:solidFill>
-                  <a:srgbClr val="FF0000"/>
-                </a:solidFill>
-                <a:latin typeface="Arial"/>
-                <a:cs typeface="Arial"/>
-              </a:rPr>
-              <a:t>Counts</a:t>
-            </a:r>
-            <a:endParaRPr lang="en-US" sz="2800" b="1" dirty="0">
-              <a:solidFill>
-                <a:srgbClr val="FF0000"/>
-              </a:solidFill>
-              <a:latin typeface="Arial"/>
-              <a:cs typeface="Arial"/>
-            </a:endParaRPr>
-          </a:p>
-        </p:txBody>
-      </p:sp>
-      <p:sp>
-        <p:nvSpPr>
-          <p:cNvPr id="102" name="Down Arrow 101"/>
-          <p:cNvSpPr/>
-          <p:nvPr/>
-        </p:nvSpPr>
-        <p:spPr>
-          <a:xfrm rot="5400000">
-            <a:off x="6161051" y="10940985"/>
-            <a:ext cx="251998" cy="1152000"/>
-          </a:xfrm>
-          <a:prstGeom prst="downArrow">
-            <a:avLst/>
-          </a:prstGeom>
-          <a:solidFill>
-            <a:schemeClr val="tx1"/>
-          </a:solidFill>
-          <a:ln>
-            <a:noFill/>
-          </a:ln>
-        </p:spPr>
-        <p:style>
-          <a:lnRef idx="1">
-            <a:schemeClr val="accent1"/>
-          </a:lnRef>
-          <a:fillRef idx="3">
-            <a:schemeClr val="accent1"/>
-          </a:fillRef>
-          <a:effectRef idx="2">
-            <a:schemeClr val="accent1"/>
-          </a:effectRef>
-          <a:fontRef idx="minor">
-            <a:schemeClr val="lt1"/>
-          </a:fontRef>
-        </p:style>
-        <p:txBody>
-          <a:bodyPr lIns="143993" tIns="71997" rIns="143993" bIns="71997" spcCol="0" rtlCol="0" anchor="ctr"/>
-          <a:lstStyle/>
-          <a:p>
-            <a:pPr algn="ctr"/>
-            <a:endParaRPr lang="en-US" sz="2400">
-              <a:solidFill>
                 <a:schemeClr val="bg1"/>
               </a:solidFill>
               <a:latin typeface="Arial"/>
@@ -5011,7 +4954,7 @@
             <a:avLst/>
           </a:prstGeom>
           <a:solidFill>
-            <a:srgbClr val="2D7627"/>
+            <a:srgbClr val="16879D"/>
           </a:solidFill>
           <a:ln>
             <a:noFill/>
@@ -5646,7 +5589,7 @@
         </p:nvSpPr>
         <p:spPr>
           <a:xfrm>
-            <a:off x="11774685" y="12369490"/>
+            <a:off x="12351915" y="12369490"/>
             <a:ext cx="1331998" cy="576287"/>
           </a:xfrm>
           <a:prstGeom prst="rect">
@@ -5836,7 +5779,7 @@
         </p:nvSpPr>
         <p:spPr>
           <a:xfrm>
-            <a:off x="11414317" y="14716883"/>
+            <a:off x="13358906" y="14692252"/>
             <a:ext cx="1532147" cy="576287"/>
           </a:xfrm>
           <a:prstGeom prst="rect">
@@ -5881,7 +5824,7 @@
         </p:nvSpPr>
         <p:spPr>
           <a:xfrm>
-            <a:off x="15094218" y="16779036"/>
+            <a:off x="13362528" y="16779036"/>
             <a:ext cx="1532147" cy="576287"/>
           </a:xfrm>
           <a:prstGeom prst="rect">
@@ -6047,6 +5990,56 @@
               <a:solidFill>
                 <a:schemeClr val="tx1"/>
               </a:solidFill>
+            </a:endParaRPr>
+          </a:p>
+        </p:txBody>
+      </p:sp>
+      <p:sp>
+        <p:nvSpPr>
+          <p:cNvPr id="124" name="Down Arrow 123"/>
+          <p:cNvSpPr/>
+          <p:nvPr/>
+        </p:nvSpPr>
+        <p:spPr>
+          <a:xfrm>
+            <a:off x="12791289" y="14752334"/>
+            <a:ext cx="251998" cy="647999"/>
+          </a:xfrm>
+          <a:prstGeom prst="downArrow">
+            <a:avLst/>
+          </a:prstGeom>
+          <a:solidFill>
+            <a:schemeClr val="tx1"/>
+          </a:solidFill>
+          <a:ln>
+            <a:noFill/>
+          </a:ln>
+        </p:spPr>
+        <p:style>
+          <a:lnRef idx="1">
+            <a:schemeClr val="accent1"/>
+          </a:lnRef>
+          <a:fillRef idx="3">
+            <a:schemeClr val="accent1"/>
+          </a:fillRef>
+          <a:effectRef idx="2">
+            <a:schemeClr val="accent1"/>
+          </a:effectRef>
+          <a:fontRef idx="minor">
+            <a:schemeClr val="lt1"/>
+          </a:fontRef>
+        </p:style>
+        <p:txBody>
+          <a:bodyPr lIns="143993" tIns="71997" rIns="143993" bIns="71997" spcCol="0" rtlCol="0" anchor="ctr"/>
+          <a:lstStyle/>
+          <a:p>
+            <a:pPr algn="ctr"/>
+            <a:endParaRPr lang="en-US" sz="2400">
+              <a:solidFill>
+                <a:srgbClr val="000000"/>
+              </a:solidFill>
+              <a:latin typeface="Arial"/>
+              <a:cs typeface="Arial"/>
             </a:endParaRPr>
           </a:p>
         </p:txBody>

--- a/RNAseq_workflow.pptx
+++ b/RNAseq_workflow.pptx
@@ -3235,7 +3235,7 @@
         </p:nvSpPr>
         <p:spPr>
           <a:xfrm>
-            <a:off x="10012814" y="13163523"/>
+            <a:off x="10012814" y="14125573"/>
             <a:ext cx="5987410" cy="1473365"/>
           </a:xfrm>
           <a:prstGeom prst="rect">
@@ -3368,7 +3368,7 @@
         </p:nvSpPr>
         <p:spPr>
           <a:xfrm>
-            <a:off x="9801102" y="15484131"/>
+            <a:off x="9801102" y="16446181"/>
             <a:ext cx="6428940" cy="1187997"/>
           </a:xfrm>
           <a:prstGeom prst="rect">
@@ -3531,7 +3531,7 @@
         </p:nvSpPr>
         <p:spPr>
           <a:xfrm>
-            <a:off x="10203788" y="17539244"/>
+            <a:off x="10203788" y="18501294"/>
             <a:ext cx="5443102" cy="1151999"/>
           </a:xfrm>
           <a:prstGeom prst="rect">
@@ -3644,7 +3644,7 @@
         </p:nvSpPr>
         <p:spPr>
           <a:xfrm>
-            <a:off x="12800156" y="16792611"/>
+            <a:off x="12800156" y="17754661"/>
             <a:ext cx="251998" cy="647999"/>
           </a:xfrm>
           <a:prstGeom prst="downArrow">
@@ -3868,7 +3868,7 @@
         </p:nvSpPr>
         <p:spPr>
           <a:xfrm>
-            <a:off x="6041989" y="13387686"/>
+            <a:off x="6041989" y="14349736"/>
             <a:ext cx="2338404" cy="1007175"/>
           </a:xfrm>
           <a:prstGeom prst="rect">
@@ -3918,7 +3918,7 @@
         </p:nvCxnSpPr>
         <p:spPr>
           <a:xfrm>
-            <a:off x="8620557" y="13875283"/>
+            <a:off x="8620557" y="14837333"/>
             <a:ext cx="1151998" cy="0"/>
           </a:xfrm>
           <a:prstGeom prst="straightConnector1">
@@ -3955,7 +3955,7 @@
         </p:nvSpPr>
         <p:spPr>
           <a:xfrm>
-            <a:off x="4209528" y="15377280"/>
+            <a:off x="4209528" y="16339330"/>
             <a:ext cx="4169131" cy="1438062"/>
           </a:xfrm>
           <a:prstGeom prst="rect">
@@ -4005,7 +4005,7 @@
         </p:nvCxnSpPr>
         <p:spPr>
           <a:xfrm>
-            <a:off x="8568206" y="16049920"/>
+            <a:off x="8568206" y="17011970"/>
             <a:ext cx="1152000" cy="0"/>
           </a:xfrm>
           <a:prstGeom prst="straightConnector1">
@@ -4042,7 +4042,7 @@
         </p:nvSpPr>
         <p:spPr>
           <a:xfrm>
-            <a:off x="4576284" y="17500763"/>
+            <a:off x="4576284" y="18462813"/>
             <a:ext cx="3799887" cy="1007175"/>
           </a:xfrm>
           <a:prstGeom prst="rect">
@@ -4097,7 +4097,7 @@
         </p:nvCxnSpPr>
         <p:spPr>
           <a:xfrm>
-            <a:off x="8576336" y="17998761"/>
+            <a:off x="8576336" y="18960811"/>
             <a:ext cx="1404000" cy="0"/>
           </a:xfrm>
           <a:prstGeom prst="straightConnector1">
@@ -4642,15 +4642,22 @@
           <a:p>
             <a:pPr algn="ctr"/>
             <a:r>
-              <a:rPr lang="en-US" sz="3600" b="1" dirty="0" smtClean="0">
+              <a:rPr lang="en-US" sz="3600" b="1" smtClean="0">
                 <a:solidFill>
                   <a:schemeClr val="bg1"/>
                 </a:solidFill>
                 <a:latin typeface="Arial"/>
                 <a:cs typeface="Arial"/>
               </a:rPr>
-              <a:t>Quasi mappers</a:t>
-            </a:r>
+              <a:t>Quasi-mappers</a:t>
+            </a:r>
+            <a:endParaRPr lang="en-US" sz="3600" b="1" dirty="0" smtClean="0">
+              <a:solidFill>
+                <a:schemeClr val="bg1"/>
+              </a:solidFill>
+              <a:latin typeface="Arial"/>
+              <a:cs typeface="Arial"/>
+            </a:endParaRPr>
           </a:p>
           <a:p>
             <a:pPr algn="ctr"/>
@@ -4701,9 +4708,9 @@
           <p:nvPr/>
         </p:nvSpPr>
         <p:spPr>
-          <a:xfrm rot="18799921">
-            <a:off x="11841093" y="12130962"/>
-            <a:ext cx="251998" cy="1007995"/>
+          <a:xfrm rot="20122983">
+            <a:off x="11832217" y="12071964"/>
+            <a:ext cx="252000" cy="1943988"/>
           </a:xfrm>
           <a:prstGeom prst="downArrow">
             <a:avLst/>
@@ -4746,14 +4753,14 @@
       </p:sp>
       <p:sp>
         <p:nvSpPr>
-          <p:cNvPr id="92" name="Down Arrow 91"/>
+          <p:cNvPr id="94" name="Down Arrow 93"/>
           <p:cNvSpPr/>
           <p:nvPr/>
         </p:nvSpPr>
         <p:spPr>
-          <a:xfrm rot="2599921">
-            <a:off x="13968108" y="12083096"/>
-            <a:ext cx="251998" cy="1007995"/>
+          <a:xfrm rot="1973630">
+            <a:off x="17063100" y="11909837"/>
+            <a:ext cx="252000" cy="3599998"/>
           </a:xfrm>
           <a:prstGeom prst="downArrow">
             <a:avLst/>
@@ -4796,14 +4803,59 @@
       </p:sp>
       <p:sp>
         <p:nvSpPr>
-          <p:cNvPr id="94" name="Down Arrow 93"/>
+          <p:cNvPr id="101" name="TextBox 100"/>
+          <p:cNvSpPr txBox="1"/>
+          <p:nvPr/>
+        </p:nvSpPr>
+        <p:spPr>
+          <a:xfrm rot="18140672">
+            <a:off x="16945050" y="13503603"/>
+            <a:ext cx="1532147" cy="576287"/>
+          </a:xfrm>
+          <a:prstGeom prst="rect">
+            <a:avLst/>
+          </a:prstGeom>
+          <a:solidFill>
+            <a:srgbClr val="FFFFFF"/>
+          </a:solidFill>
+        </p:spPr>
+        <p:txBody>
+          <a:bodyPr wrap="square" lIns="143993" tIns="71997" rIns="143993" bIns="71997" rtlCol="0">
+            <a:spAutoFit/>
+          </a:bodyPr>
+          <a:lstStyle/>
+          <a:p>
+            <a:pPr algn="ctr"/>
+            <a:r>
+              <a:rPr lang="en-US" sz="2800" b="1" dirty="0" smtClean="0">
+                <a:solidFill>
+                  <a:srgbClr val="FF0000"/>
+                </a:solidFill>
+                <a:latin typeface="Arial"/>
+                <a:cs typeface="Arial"/>
+              </a:rPr>
+              <a:t>Counts</a:t>
+            </a:r>
+            <a:endParaRPr lang="en-US" sz="2800" b="1" dirty="0">
+              <a:solidFill>
+                <a:srgbClr val="FF0000"/>
+              </a:solidFill>
+              <a:latin typeface="Arial"/>
+              <a:cs typeface="Arial"/>
+            </a:endParaRPr>
+          </a:p>
+        </p:txBody>
+      </p:sp>
+      <p:sp>
+        <p:nvSpPr>
+          <p:cNvPr id="102" name="Down Arrow 101"/>
           <p:cNvSpPr/>
           <p:nvPr/>
         </p:nvSpPr>
         <p:spPr>
-          <a:xfrm rot="1973630">
-            <a:off x="17063100" y="11909837"/>
-            <a:ext cx="252000" cy="3599998"/>
+          <a:xfrm rot="5400000">
+            <a:off x="9584732" y="11726116"/>
+            <a:ext cx="251998" cy="2880000"/>
           </a:xfrm>
           <a:prstGeom prst="downArrow">
             <a:avLst/>
@@ -4836,7 +4888,7 @@
             <a:pPr algn="ctr"/>
             <a:endParaRPr lang="en-US" sz="2400">
               <a:solidFill>
-                <a:srgbClr val="000000"/>
+                <a:schemeClr val="bg1"/>
               </a:solidFill>
               <a:latin typeface="Arial"/>
               <a:cs typeface="Arial"/>
@@ -4846,59 +4898,104 @@
       </p:sp>
       <p:sp>
         <p:nvSpPr>
-          <p:cNvPr id="101" name="TextBox 100"/>
-          <p:cNvSpPr txBox="1"/>
+          <p:cNvPr id="103" name="Rectangle 102"/>
+          <p:cNvSpPr/>
           <p:nvPr/>
         </p:nvSpPr>
         <p:spPr>
-          <a:xfrm rot="18140672">
-            <a:off x="16945050" y="13503603"/>
-            <a:ext cx="1532147" cy="576287"/>
+          <a:xfrm>
+            <a:off x="3377739" y="12600382"/>
+            <a:ext cx="4491847" cy="1151999"/>
           </a:xfrm>
           <a:prstGeom prst="rect">
             <a:avLst/>
           </a:prstGeom>
           <a:solidFill>
-            <a:srgbClr val="FFFFFF"/>
+            <a:srgbClr val="16879D"/>
           </a:solidFill>
-        </p:spPr>
-        <p:txBody>
-          <a:bodyPr wrap="square" lIns="143993" tIns="71997" rIns="143993" bIns="71997" rtlCol="0">
-            <a:spAutoFit/>
-          </a:bodyPr>
+          <a:ln>
+            <a:noFill/>
+          </a:ln>
+        </p:spPr>
+        <p:style>
+          <a:lnRef idx="1">
+            <a:schemeClr val="accent1"/>
+          </a:lnRef>
+          <a:fillRef idx="3">
+            <a:schemeClr val="accent1"/>
+          </a:fillRef>
+          <a:effectRef idx="2">
+            <a:schemeClr val="accent1"/>
+          </a:effectRef>
+          <a:fontRef idx="minor">
+            <a:schemeClr val="lt1"/>
+          </a:fontRef>
+        </p:style>
+        <p:txBody>
+          <a:bodyPr lIns="143993" tIns="71997" rIns="143993" bIns="71997" spcCol="0" rtlCol="0" anchor="ctr"/>
           <a:lstStyle/>
           <a:p>
             <a:pPr algn="ctr"/>
             <a:r>
-              <a:rPr lang="en-US" sz="2800" b="1" dirty="0" smtClean="0">
-                <a:solidFill>
-                  <a:srgbClr val="FF0000"/>
-                </a:solidFill>
-                <a:latin typeface="Arial"/>
-                <a:cs typeface="Arial"/>
-              </a:rPr>
-              <a:t>Counts</a:t>
-            </a:r>
-            <a:endParaRPr lang="en-US" sz="2800" b="1" dirty="0">
+              <a:rPr lang="en-US" sz="3600" b="1" dirty="0" smtClean="0">
+                <a:solidFill>
+                  <a:schemeClr val="bg1"/>
+                </a:solidFill>
+                <a:latin typeface="Arial"/>
+                <a:cs typeface="Arial"/>
+              </a:rPr>
+              <a:t>Genome Browser</a:t>
+            </a:r>
+            <a:endParaRPr lang="en-US" sz="3600" b="1" dirty="0">
               <a:solidFill>
-                <a:srgbClr val="FF0000"/>
+                <a:schemeClr val="bg1"/>
               </a:solidFill>
               <a:latin typeface="Arial"/>
               <a:cs typeface="Arial"/>
             </a:endParaRPr>
           </a:p>
-        </p:txBody>
-      </p:sp>
-      <p:sp>
-        <p:nvSpPr>
-          <p:cNvPr id="102" name="Down Arrow 101"/>
+          <a:p>
+            <a:pPr algn="ctr"/>
+            <a:r>
+              <a:rPr lang="en-US" sz="2600" b="1" u="sng" dirty="0" smtClean="0">
+                <a:solidFill>
+                  <a:schemeClr val="bg1"/>
+                </a:solidFill>
+                <a:latin typeface="Arial"/>
+                <a:cs typeface="Arial"/>
+              </a:rPr>
+              <a:t>UCSC</a:t>
+            </a:r>
+            <a:r>
+              <a:rPr lang="en-US" sz="2600" dirty="0" smtClean="0">
+                <a:solidFill>
+                  <a:schemeClr val="bg1"/>
+                </a:solidFill>
+                <a:latin typeface="Arial"/>
+                <a:cs typeface="Arial"/>
+              </a:rPr>
+              <a:t>, ENSEMBL, IGV</a:t>
+            </a:r>
+            <a:endParaRPr lang="en-US" sz="2600" dirty="0">
+              <a:solidFill>
+                <a:schemeClr val="bg1"/>
+              </a:solidFill>
+              <a:latin typeface="Arial"/>
+              <a:cs typeface="Arial"/>
+            </a:endParaRPr>
+          </a:p>
+        </p:txBody>
+      </p:sp>
+      <p:sp>
+        <p:nvSpPr>
+          <p:cNvPr id="106" name="Down Arrow 105"/>
           <p:cNvSpPr/>
           <p:nvPr/>
         </p:nvSpPr>
         <p:spPr>
-          <a:xfrm rot="5400000">
-            <a:off x="6161051" y="10940985"/>
-            <a:ext cx="251998" cy="1152000"/>
+          <a:xfrm>
+            <a:off x="12887138" y="6905692"/>
+            <a:ext cx="251998" cy="647999"/>
           </a:xfrm>
           <a:prstGeom prst="downArrow">
             <a:avLst/>
@@ -4931,7 +5028,7 @@
             <a:pPr algn="ctr"/>
             <a:endParaRPr lang="en-US" sz="2400">
               <a:solidFill>
-                <a:schemeClr val="bg1"/>
+                <a:srgbClr val="000000"/>
               </a:solidFill>
               <a:latin typeface="Arial"/>
               <a:cs typeface="Arial"/>
@@ -4941,20 +5038,20 @@
       </p:sp>
       <p:sp>
         <p:nvSpPr>
-          <p:cNvPr id="103" name="Rectangle 102"/>
+          <p:cNvPr id="107" name="Rectangle 106"/>
           <p:cNvSpPr/>
           <p:nvPr/>
         </p:nvSpPr>
         <p:spPr>
           <a:xfrm>
-            <a:off x="1058507" y="10941190"/>
-            <a:ext cx="4491847" cy="1151999"/>
+            <a:off x="12772295" y="10967142"/>
+            <a:ext cx="3551737" cy="1080000"/>
           </a:xfrm>
           <a:prstGeom prst="rect">
             <a:avLst/>
           </a:prstGeom>
           <a:solidFill>
-            <a:srgbClr val="16879D"/>
+            <a:srgbClr val="E46914"/>
           </a:solidFill>
           <a:ln>
             <a:noFill/>
@@ -4987,9 +5084,9 @@
                 <a:latin typeface="Arial"/>
                 <a:cs typeface="Arial"/>
               </a:rPr>
-              <a:t>Genome Browser</a:t>
-            </a:r>
-            <a:endParaRPr lang="en-US" sz="3600" b="1" dirty="0">
+              <a:t>Aligners</a:t>
+            </a:r>
+            <a:endParaRPr lang="en-US" sz="2400" dirty="0" smtClean="0">
               <a:solidFill>
                 <a:schemeClr val="bg1"/>
               </a:solidFill>
@@ -5000,24 +5097,14 @@
           <a:p>
             <a:pPr algn="ctr"/>
             <a:r>
-              <a:rPr lang="en-US" sz="2600" b="1" u="sng" dirty="0" smtClean="0">
+              <a:rPr lang="en-US" sz="2600" dirty="0" smtClean="0">
                 <a:solidFill>
                   <a:schemeClr val="bg1"/>
                 </a:solidFill>
                 <a:latin typeface="Arial"/>
                 <a:cs typeface="Arial"/>
               </a:rPr>
-              <a:t>UCSC</a:t>
-            </a:r>
-            <a:r>
-              <a:rPr lang="en-US" sz="2600" dirty="0" smtClean="0">
-                <a:solidFill>
-                  <a:schemeClr val="bg1"/>
-                </a:solidFill>
-                <a:latin typeface="Arial"/>
-                <a:cs typeface="Arial"/>
-              </a:rPr>
-              <a:t>, ENSEMBL, IGV</a:t>
+              <a:t>Bowtie2, BWA, GEM</a:t>
             </a:r>
             <a:endParaRPr lang="en-US" sz="2600" dirty="0">
               <a:solidFill>
@@ -5031,14 +5118,97 @@
       </p:sp>
       <p:sp>
         <p:nvSpPr>
-          <p:cNvPr id="106" name="Down Arrow 105"/>
+          <p:cNvPr id="108" name="Rectangle 107"/>
           <p:cNvSpPr/>
           <p:nvPr/>
         </p:nvSpPr>
         <p:spPr>
           <a:xfrm>
-            <a:off x="12887138" y="6905692"/>
-            <a:ext cx="251998" cy="647999"/>
+            <a:off x="6981130" y="10967139"/>
+            <a:ext cx="5305626" cy="1080000"/>
+          </a:xfrm>
+          <a:prstGeom prst="rect">
+            <a:avLst/>
+          </a:prstGeom>
+          <a:solidFill>
+            <a:srgbClr val="E46914"/>
+          </a:solidFill>
+          <a:ln>
+            <a:noFill/>
+          </a:ln>
+        </p:spPr>
+        <p:style>
+          <a:lnRef idx="1">
+            <a:schemeClr val="accent1"/>
+          </a:lnRef>
+          <a:fillRef idx="3">
+            <a:schemeClr val="accent1"/>
+          </a:fillRef>
+          <a:effectRef idx="2">
+            <a:schemeClr val="accent1"/>
+          </a:effectRef>
+          <a:fontRef idx="minor">
+            <a:schemeClr val="lt1"/>
+          </a:fontRef>
+        </p:style>
+        <p:txBody>
+          <a:bodyPr lIns="143993" tIns="71997" rIns="143993" bIns="71997" spcCol="0" rtlCol="0" anchor="ctr"/>
+          <a:lstStyle/>
+          <a:p>
+            <a:pPr algn="ctr"/>
+            <a:r>
+              <a:rPr lang="en-US" sz="3600" b="1" dirty="0" smtClean="0">
+                <a:solidFill>
+                  <a:schemeClr val="bg1"/>
+                </a:solidFill>
+                <a:latin typeface="Arial"/>
+                <a:cs typeface="Arial"/>
+              </a:rPr>
+              <a:t>Splice-aware aligners</a:t>
+            </a:r>
+          </a:p>
+          <a:p>
+            <a:pPr algn="ctr"/>
+            <a:r>
+              <a:rPr lang="en-US" sz="2600" b="1" u="sng" dirty="0" smtClean="0">
+                <a:solidFill>
+                  <a:schemeClr val="bg1"/>
+                </a:solidFill>
+                <a:latin typeface="Arial"/>
+                <a:cs typeface="Arial"/>
+              </a:rPr>
+              <a:t>STAR</a:t>
+            </a:r>
+            <a:r>
+              <a:rPr lang="en-US" sz="2600" dirty="0" smtClean="0">
+                <a:solidFill>
+                  <a:schemeClr val="bg1"/>
+                </a:solidFill>
+                <a:latin typeface="Arial"/>
+                <a:cs typeface="Arial"/>
+              </a:rPr>
+              <a:t>, Tophat2, Hisat2</a:t>
+            </a:r>
+            <a:endParaRPr lang="en-US" sz="2600" dirty="0">
+              <a:solidFill>
+                <a:schemeClr val="bg1"/>
+              </a:solidFill>
+              <a:latin typeface="Arial"/>
+              <a:cs typeface="Arial"/>
+            </a:endParaRPr>
+          </a:p>
+        </p:txBody>
+      </p:sp>
+      <p:sp>
+        <p:nvSpPr>
+          <p:cNvPr id="109" name="Down Arrow 108"/>
+          <p:cNvSpPr/>
+          <p:nvPr/>
+        </p:nvSpPr>
+        <p:spPr>
+          <a:xfrm>
+            <a:off x="9492993" y="10358392"/>
+            <a:ext cx="251998" cy="539999"/>
           </a:xfrm>
           <a:prstGeom prst="downArrow">
             <a:avLst/>
@@ -5081,177 +5251,14 @@
       </p:sp>
       <p:sp>
         <p:nvSpPr>
-          <p:cNvPr id="107" name="Rectangle 106"/>
+          <p:cNvPr id="112" name="Down Arrow 111"/>
           <p:cNvSpPr/>
           <p:nvPr/>
         </p:nvSpPr>
         <p:spPr>
-          <a:xfrm>
-            <a:off x="12772295" y="10967142"/>
-            <a:ext cx="3551737" cy="1080000"/>
-          </a:xfrm>
-          <a:prstGeom prst="rect">
-            <a:avLst/>
-          </a:prstGeom>
-          <a:solidFill>
-            <a:srgbClr val="E46914"/>
-          </a:solidFill>
-          <a:ln>
-            <a:noFill/>
-          </a:ln>
-        </p:spPr>
-        <p:style>
-          <a:lnRef idx="1">
-            <a:schemeClr val="accent1"/>
-          </a:lnRef>
-          <a:fillRef idx="3">
-            <a:schemeClr val="accent1"/>
-          </a:fillRef>
-          <a:effectRef idx="2">
-            <a:schemeClr val="accent1"/>
-          </a:effectRef>
-          <a:fontRef idx="minor">
-            <a:schemeClr val="lt1"/>
-          </a:fontRef>
-        </p:style>
-        <p:txBody>
-          <a:bodyPr lIns="143993" tIns="71997" rIns="143993" bIns="71997" spcCol="0" rtlCol="0" anchor="ctr"/>
-          <a:lstStyle/>
-          <a:p>
-            <a:pPr algn="ctr"/>
-            <a:r>
-              <a:rPr lang="en-US" sz="3600" b="1" dirty="0" smtClean="0">
-                <a:solidFill>
-                  <a:schemeClr val="bg1"/>
-                </a:solidFill>
-                <a:latin typeface="Arial"/>
-                <a:cs typeface="Arial"/>
-              </a:rPr>
-              <a:t>Mappers</a:t>
-            </a:r>
-            <a:endParaRPr lang="en-US" sz="2400" dirty="0" smtClean="0">
-              <a:solidFill>
-                <a:schemeClr val="bg1"/>
-              </a:solidFill>
-              <a:latin typeface="Arial"/>
-              <a:cs typeface="Arial"/>
-            </a:endParaRPr>
-          </a:p>
-          <a:p>
-            <a:pPr algn="ctr"/>
-            <a:r>
-              <a:rPr lang="en-US" sz="2600" dirty="0" smtClean="0">
-                <a:solidFill>
-                  <a:schemeClr val="bg1"/>
-                </a:solidFill>
-                <a:latin typeface="Arial"/>
-                <a:cs typeface="Arial"/>
-              </a:rPr>
-              <a:t>Bowtie2, BWA, GEM</a:t>
-            </a:r>
-            <a:endParaRPr lang="en-US" sz="2600" dirty="0">
-              <a:solidFill>
-                <a:schemeClr val="bg1"/>
-              </a:solidFill>
-              <a:latin typeface="Arial"/>
-              <a:cs typeface="Arial"/>
-            </a:endParaRPr>
-          </a:p>
-        </p:txBody>
-      </p:sp>
-      <p:sp>
-        <p:nvSpPr>
-          <p:cNvPr id="108" name="Rectangle 107"/>
-          <p:cNvSpPr/>
-          <p:nvPr/>
-        </p:nvSpPr>
-        <p:spPr>
-          <a:xfrm>
-            <a:off x="6981130" y="10967139"/>
-            <a:ext cx="5305626" cy="1080000"/>
-          </a:xfrm>
-          <a:prstGeom prst="rect">
-            <a:avLst/>
-          </a:prstGeom>
-          <a:solidFill>
-            <a:srgbClr val="E46914"/>
-          </a:solidFill>
-          <a:ln>
-            <a:noFill/>
-          </a:ln>
-        </p:spPr>
-        <p:style>
-          <a:lnRef idx="1">
-            <a:schemeClr val="accent1"/>
-          </a:lnRef>
-          <a:fillRef idx="3">
-            <a:schemeClr val="accent1"/>
-          </a:fillRef>
-          <a:effectRef idx="2">
-            <a:schemeClr val="accent1"/>
-          </a:effectRef>
-          <a:fontRef idx="minor">
-            <a:schemeClr val="lt1"/>
-          </a:fontRef>
-        </p:style>
-        <p:txBody>
-          <a:bodyPr lIns="143993" tIns="71997" rIns="143993" bIns="71997" spcCol="0" rtlCol="0" anchor="ctr"/>
-          <a:lstStyle/>
-          <a:p>
-            <a:pPr algn="ctr"/>
-            <a:r>
-              <a:rPr lang="en-US" sz="3600" b="1" dirty="0" smtClean="0">
-                <a:solidFill>
-                  <a:schemeClr val="bg1"/>
-                </a:solidFill>
-                <a:latin typeface="Arial"/>
-                <a:cs typeface="Arial"/>
-              </a:rPr>
-              <a:t>Splice aware aligners:</a:t>
-            </a:r>
-          </a:p>
-          <a:p>
-            <a:pPr algn="ctr"/>
-            <a:r>
-              <a:rPr lang="en-US" sz="2600" b="1" u="sng" dirty="0" smtClean="0">
-                <a:solidFill>
-                  <a:schemeClr val="bg1"/>
-                </a:solidFill>
-                <a:latin typeface="Arial"/>
-                <a:cs typeface="Arial"/>
-              </a:rPr>
-              <a:t>STAR</a:t>
-            </a:r>
-            <a:r>
-              <a:rPr lang="en-US" sz="2600" dirty="0" smtClean="0">
-                <a:solidFill>
-                  <a:schemeClr val="bg1"/>
-                </a:solidFill>
-                <a:latin typeface="Arial"/>
-                <a:cs typeface="Arial"/>
-              </a:rPr>
-              <a:t>, Tophat2, Hisat2</a:t>
-            </a:r>
-            <a:endParaRPr lang="en-US" sz="2600" dirty="0">
-              <a:solidFill>
-                <a:schemeClr val="bg1"/>
-              </a:solidFill>
-              <a:latin typeface="Arial"/>
-              <a:cs typeface="Arial"/>
-            </a:endParaRPr>
-          </a:p>
-        </p:txBody>
-      </p:sp>
-      <p:sp>
-        <p:nvSpPr>
-          <p:cNvPr id="109" name="Down Arrow 108"/>
-          <p:cNvSpPr/>
-          <p:nvPr/>
-        </p:nvSpPr>
-        <p:spPr>
-          <a:xfrm>
-            <a:off x="9492993" y="10281428"/>
-            <a:ext cx="251998" cy="647999"/>
+          <a:xfrm rot="3164767">
+            <a:off x="15424634" y="10259909"/>
+            <a:ext cx="251998" cy="648000"/>
           </a:xfrm>
           <a:prstGeom prst="downArrow">
             <a:avLst/>
@@ -5294,13 +5301,13 @@
       </p:sp>
       <p:sp>
         <p:nvSpPr>
-          <p:cNvPr id="112" name="Down Arrow 111"/>
+          <p:cNvPr id="113" name="Down Arrow 112"/>
           <p:cNvSpPr/>
           <p:nvPr/>
         </p:nvSpPr>
         <p:spPr>
-          <a:xfrm rot="3164767">
-            <a:off x="15232224" y="10259909"/>
+          <a:xfrm rot="18799921">
+            <a:off x="17465792" y="10309328"/>
             <a:ext cx="251998" cy="648000"/>
           </a:xfrm>
           <a:prstGeom prst="downArrow">
@@ -5344,63 +5351,13 @@
       </p:sp>
       <p:sp>
         <p:nvSpPr>
-          <p:cNvPr id="113" name="Down Arrow 112"/>
-          <p:cNvSpPr/>
-          <p:nvPr/>
-        </p:nvSpPr>
-        <p:spPr>
-          <a:xfrm rot="18799921">
-            <a:off x="17465792" y="10309328"/>
-            <a:ext cx="251998" cy="648000"/>
-          </a:xfrm>
-          <a:prstGeom prst="downArrow">
-            <a:avLst/>
-          </a:prstGeom>
-          <a:solidFill>
-            <a:schemeClr val="tx1"/>
-          </a:solidFill>
-          <a:ln>
-            <a:noFill/>
-          </a:ln>
-        </p:spPr>
-        <p:style>
-          <a:lnRef idx="1">
-            <a:schemeClr val="accent1"/>
-          </a:lnRef>
-          <a:fillRef idx="3">
-            <a:schemeClr val="accent1"/>
-          </a:fillRef>
-          <a:effectRef idx="2">
-            <a:schemeClr val="accent1"/>
-          </a:effectRef>
-          <a:fontRef idx="minor">
-            <a:schemeClr val="lt1"/>
-          </a:fontRef>
-        </p:style>
-        <p:txBody>
-          <a:bodyPr lIns="143993" tIns="71997" rIns="143993" bIns="71997" spcCol="0" rtlCol="0" anchor="ctr"/>
-          <a:lstStyle/>
-          <a:p>
-            <a:pPr algn="ctr"/>
-            <a:endParaRPr lang="en-US" sz="2400">
-              <a:solidFill>
-                <a:srgbClr val="000000"/>
-              </a:solidFill>
-              <a:latin typeface="Arial"/>
-              <a:cs typeface="Arial"/>
-            </a:endParaRPr>
-          </a:p>
-        </p:txBody>
-      </p:sp>
-      <p:sp>
-        <p:nvSpPr>
           <p:cNvPr id="4" name="Rounded Rectangle 3"/>
           <p:cNvSpPr/>
           <p:nvPr/>
         </p:nvSpPr>
         <p:spPr>
           <a:xfrm>
-            <a:off x="8022364" y="9389689"/>
+            <a:off x="8022364" y="9466653"/>
             <a:ext cx="3245509" cy="782348"/>
           </a:xfrm>
           <a:prstGeom prst="roundRect">
@@ -5528,14 +5485,14 @@
       </p:sp>
       <p:sp>
         <p:nvSpPr>
-          <p:cNvPr id="115" name="TextBox 114"/>
+          <p:cNvPr id="116" name="TextBox 115"/>
           <p:cNvSpPr txBox="1"/>
           <p:nvPr/>
         </p:nvSpPr>
         <p:spPr>
           <a:xfrm>
-            <a:off x="5421248" y="10299241"/>
-            <a:ext cx="1763998" cy="576287"/>
+            <a:off x="12197987" y="12600382"/>
+            <a:ext cx="1331998" cy="576287"/>
           </a:xfrm>
           <a:prstGeom prst="rect">
             <a:avLst/>
@@ -5552,24 +5509,14 @@
           <a:p>
             <a:pPr algn="ctr"/>
             <a:r>
-              <a:rPr lang="en-US" sz="2800" b="1" dirty="0">
+              <a:rPr lang="en-US" sz="2800" b="1" dirty="0" smtClean="0">
                 <a:solidFill>
                   <a:srgbClr val="FF0000"/>
                 </a:solidFill>
                 <a:latin typeface="Arial"/>
                 <a:cs typeface="Arial"/>
               </a:rPr>
-              <a:t>b</a:t>
-            </a:r>
-            <a:r>
-              <a:rPr lang="en-US" sz="2800" b="1" dirty="0" smtClean="0">
-                <a:solidFill>
-                  <a:srgbClr val="FF0000"/>
-                </a:solidFill>
-                <a:latin typeface="Arial"/>
-                <a:cs typeface="Arial"/>
-              </a:rPr>
-              <a:t>igwig</a:t>
+              <a:t>BAM</a:t>
             </a:r>
             <a:endParaRPr lang="en-US" sz="2800" b="1" dirty="0">
               <a:solidFill>
@@ -5583,14 +5530,14 @@
       </p:sp>
       <p:sp>
         <p:nvSpPr>
-          <p:cNvPr id="116" name="TextBox 115"/>
+          <p:cNvPr id="117" name="TextBox 116"/>
           <p:cNvSpPr txBox="1"/>
           <p:nvPr/>
         </p:nvSpPr>
         <p:spPr>
           <a:xfrm>
-            <a:off x="12351915" y="12369490"/>
-            <a:ext cx="1331998" cy="576287"/>
+            <a:off x="13490665" y="3475767"/>
+            <a:ext cx="1265888" cy="576287"/>
           </a:xfrm>
           <a:prstGeom prst="rect">
             <a:avLst/>
@@ -5607,14 +5554,14 @@
           <a:p>
             <a:pPr algn="ctr"/>
             <a:r>
-              <a:rPr lang="en-US" sz="2800" b="1" dirty="0" smtClean="0">
+              <a:rPr lang="en-US" sz="2800" b="1" dirty="0" err="1" smtClean="0">
                 <a:solidFill>
                   <a:srgbClr val="FF0000"/>
                 </a:solidFill>
                 <a:latin typeface="Arial"/>
                 <a:cs typeface="Arial"/>
               </a:rPr>
-              <a:t>BAM</a:t>
+              <a:t>Fastq</a:t>
             </a:r>
             <a:endParaRPr lang="en-US" sz="2800" b="1" dirty="0">
               <a:solidFill>
@@ -5628,58 +5575,13 @@
       </p:sp>
       <p:sp>
         <p:nvSpPr>
-          <p:cNvPr id="117" name="TextBox 116"/>
-          <p:cNvSpPr txBox="1"/>
-          <p:nvPr/>
-        </p:nvSpPr>
-        <p:spPr>
-          <a:xfrm>
-            <a:off x="13490665" y="3475767"/>
-            <a:ext cx="1265888" cy="576287"/>
-          </a:xfrm>
-          <a:prstGeom prst="rect">
-            <a:avLst/>
-          </a:prstGeom>
-          <a:solidFill>
-            <a:srgbClr val="FFFFFF"/>
-          </a:solidFill>
-        </p:spPr>
-        <p:txBody>
-          <a:bodyPr wrap="square" lIns="143993" tIns="71997" rIns="143993" bIns="71997" rtlCol="0">
-            <a:spAutoFit/>
-          </a:bodyPr>
-          <a:lstStyle/>
-          <a:p>
-            <a:pPr algn="ctr"/>
-            <a:r>
-              <a:rPr lang="en-US" sz="2800" b="1" dirty="0" err="1" smtClean="0">
-                <a:solidFill>
-                  <a:srgbClr val="FF0000"/>
-                </a:solidFill>
-                <a:latin typeface="Arial"/>
-                <a:cs typeface="Arial"/>
-              </a:rPr>
-              <a:t>Fastq</a:t>
-            </a:r>
-            <a:endParaRPr lang="en-US" sz="2800" b="1" dirty="0">
-              <a:solidFill>
-                <a:srgbClr val="FF0000"/>
-              </a:solidFill>
-              <a:latin typeface="Arial"/>
-              <a:cs typeface="Arial"/>
-            </a:endParaRPr>
-          </a:p>
-        </p:txBody>
-      </p:sp>
-      <p:sp>
-        <p:nvSpPr>
           <p:cNvPr id="119" name="Down Arrow 118"/>
           <p:cNvSpPr/>
           <p:nvPr/>
         </p:nvSpPr>
         <p:spPr>
           <a:xfrm rot="2599921">
-            <a:off x="10923490" y="8188610"/>
+            <a:off x="11231346" y="8457984"/>
             <a:ext cx="251998" cy="1007995"/>
           </a:xfrm>
           <a:prstGeom prst="downArrow">
@@ -5729,7 +5631,7 @@
         </p:nvSpPr>
         <p:spPr>
           <a:xfrm rot="18799921">
-            <a:off x="14489568" y="8475915"/>
+            <a:off x="14451086" y="8475915"/>
             <a:ext cx="251998" cy="1007995"/>
           </a:xfrm>
           <a:prstGeom prst="downArrow">
@@ -5779,7 +5681,7 @@
         </p:nvSpPr>
         <p:spPr>
           <a:xfrm>
-            <a:off x="13358906" y="14692252"/>
+            <a:off x="13358906" y="15654302"/>
             <a:ext cx="1532147" cy="576287"/>
           </a:xfrm>
           <a:prstGeom prst="rect">
@@ -5824,7 +5726,7 @@
         </p:nvSpPr>
         <p:spPr>
           <a:xfrm>
-            <a:off x="13362528" y="16779036"/>
+            <a:off x="13362528" y="17741086"/>
             <a:ext cx="1532147" cy="576287"/>
           </a:xfrm>
           <a:prstGeom prst="rect">
@@ -6002,8 +5904,58 @@
         </p:nvSpPr>
         <p:spPr>
           <a:xfrm>
-            <a:off x="12791289" y="14752334"/>
+            <a:off x="12791289" y="15714384"/>
             <a:ext cx="251998" cy="647999"/>
+          </a:xfrm>
+          <a:prstGeom prst="downArrow">
+            <a:avLst/>
+          </a:prstGeom>
+          <a:solidFill>
+            <a:schemeClr val="tx1"/>
+          </a:solidFill>
+          <a:ln>
+            <a:noFill/>
+          </a:ln>
+        </p:spPr>
+        <p:style>
+          <a:lnRef idx="1">
+            <a:schemeClr val="accent1"/>
+          </a:lnRef>
+          <a:fillRef idx="3">
+            <a:schemeClr val="accent1"/>
+          </a:fillRef>
+          <a:effectRef idx="2">
+            <a:schemeClr val="accent1"/>
+          </a:effectRef>
+          <a:fontRef idx="minor">
+            <a:schemeClr val="lt1"/>
+          </a:fontRef>
+        </p:style>
+        <p:txBody>
+          <a:bodyPr lIns="143993" tIns="71997" rIns="143993" bIns="71997" spcCol="0" rtlCol="0" anchor="ctr"/>
+          <a:lstStyle/>
+          <a:p>
+            <a:pPr algn="ctr"/>
+            <a:endParaRPr lang="en-US" sz="2400">
+              <a:solidFill>
+                <a:srgbClr val="000000"/>
+              </a:solidFill>
+              <a:latin typeface="Arial"/>
+              <a:cs typeface="Arial"/>
+            </a:endParaRPr>
+          </a:p>
+        </p:txBody>
+      </p:sp>
+      <p:sp>
+        <p:nvSpPr>
+          <p:cNvPr id="125" name="Down Arrow 124"/>
+          <p:cNvSpPr/>
+          <p:nvPr/>
+        </p:nvSpPr>
+        <p:spPr>
+          <a:xfrm rot="12277017" flipV="1">
+            <a:off x="13524236" y="12071964"/>
+            <a:ext cx="252000" cy="1943988"/>
           </a:xfrm>
           <a:prstGeom prst="downArrow">
             <a:avLst/>

--- a/RNAseq_workflow.pptx
+++ b/RNAseq_workflow.pptx
@@ -4642,7 +4642,7 @@
           <a:p>
             <a:pPr algn="ctr"/>
             <a:r>
-              <a:rPr lang="en-US" sz="3600" b="1" smtClean="0">
+              <a:rPr lang="en-US" sz="3600" b="1" dirty="0" smtClean="0">
                 <a:solidFill>
                   <a:schemeClr val="bg1"/>
                 </a:solidFill>
@@ -4651,13 +4651,6 @@
               </a:rPr>
               <a:t>Quasi-mappers</a:t>
             </a:r>
-            <a:endParaRPr lang="en-US" sz="3600" b="1" dirty="0" smtClean="0">
-              <a:solidFill>
-                <a:schemeClr val="bg1"/>
-              </a:solidFill>
-              <a:latin typeface="Arial"/>
-              <a:cs typeface="Arial"/>
-            </a:endParaRPr>
           </a:p>
           <a:p>
             <a:pPr algn="ctr"/>
@@ -4758,9 +4751,9 @@
           <p:nvPr/>
         </p:nvSpPr>
         <p:spPr>
-          <a:xfrm rot="1973630">
-            <a:off x="17063100" y="11909837"/>
-            <a:ext cx="252000" cy="3599998"/>
+          <a:xfrm rot="1445358">
+            <a:off x="17101849" y="11910956"/>
+            <a:ext cx="252000" cy="4535995"/>
           </a:xfrm>
           <a:prstGeom prst="downArrow">
             <a:avLst/>
@@ -4808,8 +4801,8 @@
           <p:nvPr/>
         </p:nvSpPr>
         <p:spPr>
-          <a:xfrm rot="18140672">
-            <a:off x="16945050" y="13503603"/>
+          <a:xfrm rot="17610095">
+            <a:off x="16945050" y="13849941"/>
             <a:ext cx="1532147" cy="576287"/>
           </a:xfrm>
           <a:prstGeom prst="rect">
@@ -5187,7 +5180,7 @@
                 <a:latin typeface="Arial"/>
                 <a:cs typeface="Arial"/>
               </a:rPr>
-              <a:t>, Tophat2, Hisat2</a:t>
+              <a:t>, Tophat2, HISAT2</a:t>
             </a:r>
             <a:endParaRPr lang="en-US" sz="2600" dirty="0">
               <a:solidFill>
@@ -5726,8 +5719,8 @@
         </p:nvSpPr>
         <p:spPr>
           <a:xfrm>
-            <a:off x="13362528" y="17741086"/>
-            <a:ext cx="1532147" cy="576287"/>
+            <a:off x="13247082" y="17741086"/>
+            <a:ext cx="2284362" cy="576287"/>
           </a:xfrm>
           <a:prstGeom prst="rect">
             <a:avLst/>
@@ -5751,7 +5744,7 @@
                 <a:latin typeface="Arial"/>
                 <a:cs typeface="Arial"/>
               </a:rPr>
-              <a:t>DEGs</a:t>
+              <a:t>DE genes</a:t>
             </a:r>
             <a:endParaRPr lang="en-US" sz="2800" b="1" dirty="0">
               <a:solidFill>
